--- a/ppt/MLOps04-ScikitLearn.pptx
+++ b/ppt/MLOps04-ScikitLearn.pptx
@@ -6617,7 +6617,7 @@
             </a:r>
             <a:r>
               <a:rPr lang="fr-FR" dirty="0" err="1"/>
-              <a:t>sk.ensemble</a:t>
+              <a:t>sklearn.ensemble</a:t>
             </a:r>
             <a:r>
               <a:rPr lang="fr-FR" dirty="0"/>
@@ -6641,15 +6641,7 @@
             </a:r>
             <a:r>
               <a:rPr lang="fr-FR" dirty="0"/>
-              <a:t>(</a:t>
-            </a:r>
-            <a:r>
-              <a:rPr lang="fr-FR" dirty="0" err="1"/>
-              <a:t>n_estimators</a:t>
-            </a:r>
-            <a:r>
-              <a:rPr lang="fr-FR" dirty="0"/>
-              <a:t>=100)</a:t>
+              <a:t>()</a:t>
             </a:r>
           </a:p>
           <a:p>
